--- a/KaasApplicatie.pptx
+++ b/KaasApplicatie.pptx
@@ -10,12 +10,13 @@
     <p:sldId id="258" r:id="rId4"/>
     <p:sldId id="259" r:id="rId5"/>
     <p:sldId id="260" r:id="rId6"/>
-    <p:sldId id="261" r:id="rId7"/>
-    <p:sldId id="262" r:id="rId8"/>
-    <p:sldId id="264" r:id="rId9"/>
-    <p:sldId id="265" r:id="rId10"/>
-    <p:sldId id="266" r:id="rId11"/>
-    <p:sldId id="267" r:id="rId12"/>
+    <p:sldId id="268" r:id="rId7"/>
+    <p:sldId id="261" r:id="rId8"/>
+    <p:sldId id="262" r:id="rId9"/>
+    <p:sldId id="264" r:id="rId10"/>
+    <p:sldId id="265" r:id="rId11"/>
+    <p:sldId id="266" r:id="rId12"/>
+    <p:sldId id="267" r:id="rId13"/>
   </p:sldIdLst>
   <p:sldSz cx="9144000" cy="6858000" type="screen4x3"/>
   <p:notesSz cx="6858000" cy="9144000"/>
@@ -124,6 +125,7 @@
             <p14:sldId id="258"/>
             <p14:sldId id="259"/>
             <p14:sldId id="260"/>
+            <p14:sldId id="268"/>
             <p14:sldId id="261"/>
             <p14:sldId id="262"/>
             <p14:sldId id="264"/>
@@ -522,7 +524,7 @@
           <a:p>
             <a:fld id="{BBAC2293-D17E-4533-A1F7-E23DE81D080C}" type="datetimeFigureOut">
               <a:rPr lang="nl-NL" smtClean="0"/>
-              <a:t>21-9-2017</a:t>
+              <a:t>27-9-2017</a:t>
             </a:fld>
             <a:endParaRPr lang="nl-NL"/>
           </a:p>
@@ -687,7 +689,7 @@
           <a:p>
             <a:fld id="{BBAC2293-D17E-4533-A1F7-E23DE81D080C}" type="datetimeFigureOut">
               <a:rPr lang="nl-NL" smtClean="0"/>
-              <a:t>21-9-2017</a:t>
+              <a:t>27-9-2017</a:t>
             </a:fld>
             <a:endParaRPr lang="nl-NL"/>
           </a:p>
@@ -862,7 +864,7 @@
           <a:p>
             <a:fld id="{BBAC2293-D17E-4533-A1F7-E23DE81D080C}" type="datetimeFigureOut">
               <a:rPr lang="nl-NL" smtClean="0"/>
-              <a:t>21-9-2017</a:t>
+              <a:t>27-9-2017</a:t>
             </a:fld>
             <a:endParaRPr lang="nl-NL"/>
           </a:p>
@@ -1031,7 +1033,7 @@
           <a:p>
             <a:fld id="{BBAC2293-D17E-4533-A1F7-E23DE81D080C}" type="datetimeFigureOut">
               <a:rPr lang="nl-NL" smtClean="0"/>
-              <a:t>21-9-2017</a:t>
+              <a:t>27-9-2017</a:t>
             </a:fld>
             <a:endParaRPr lang="nl-NL"/>
           </a:p>
@@ -1486,7 +1488,7 @@
           <a:p>
             <a:fld id="{BBAC2293-D17E-4533-A1F7-E23DE81D080C}" type="datetimeFigureOut">
               <a:rPr lang="nl-NL" smtClean="0"/>
-              <a:t>21-9-2017</a:t>
+              <a:t>27-9-2017</a:t>
             </a:fld>
             <a:endParaRPr lang="nl-NL"/>
           </a:p>
@@ -1750,7 +1752,7 @@
           <a:p>
             <a:fld id="{BBAC2293-D17E-4533-A1F7-E23DE81D080C}" type="datetimeFigureOut">
               <a:rPr lang="nl-NL" smtClean="0"/>
-              <a:t>21-9-2017</a:t>
+              <a:t>27-9-2017</a:t>
             </a:fld>
             <a:endParaRPr lang="nl-NL"/>
           </a:p>
@@ -2124,7 +2126,7 @@
           <a:p>
             <a:fld id="{BBAC2293-D17E-4533-A1F7-E23DE81D080C}" type="datetimeFigureOut">
               <a:rPr lang="nl-NL" smtClean="0"/>
-              <a:t>21-9-2017</a:t>
+              <a:t>27-9-2017</a:t>
             </a:fld>
             <a:endParaRPr lang="nl-NL"/>
           </a:p>
@@ -2246,7 +2248,7 @@
           <a:p>
             <a:fld id="{BBAC2293-D17E-4533-A1F7-E23DE81D080C}" type="datetimeFigureOut">
               <a:rPr lang="nl-NL" smtClean="0"/>
-              <a:t>21-9-2017</a:t>
+              <a:t>27-9-2017</a:t>
             </a:fld>
             <a:endParaRPr lang="nl-NL"/>
           </a:p>
@@ -2336,7 +2338,7 @@
           <a:p>
             <a:fld id="{BBAC2293-D17E-4533-A1F7-E23DE81D080C}" type="datetimeFigureOut">
               <a:rPr lang="nl-NL" smtClean="0"/>
-              <a:t>21-9-2017</a:t>
+              <a:t>27-9-2017</a:t>
             </a:fld>
             <a:endParaRPr lang="nl-NL"/>
           </a:p>
@@ -2585,7 +2587,7 @@
           <a:p>
             <a:fld id="{BBAC2293-D17E-4533-A1F7-E23DE81D080C}" type="datetimeFigureOut">
               <a:rPr lang="nl-NL" smtClean="0"/>
-              <a:t>21-9-2017</a:t>
+              <a:t>27-9-2017</a:t>
             </a:fld>
             <a:endParaRPr lang="nl-NL"/>
           </a:p>
@@ -2844,7 +2846,7 @@
           <a:p>
             <a:fld id="{BBAC2293-D17E-4533-A1F7-E23DE81D080C}" type="datetimeFigureOut">
               <a:rPr lang="nl-NL" smtClean="0"/>
-              <a:t>21-9-2017</a:t>
+              <a:t>27-9-2017</a:t>
             </a:fld>
             <a:endParaRPr lang="nl-NL"/>
           </a:p>
@@ -3248,7 +3250,7 @@
           <a:p>
             <a:fld id="{BBAC2293-D17E-4533-A1F7-E23DE81D080C}" type="datetimeFigureOut">
               <a:rPr lang="nl-NL" smtClean="0"/>
-              <a:t>21-9-2017</a:t>
+              <a:t>27-9-2017</a:t>
             </a:fld>
             <a:endParaRPr lang="nl-NL"/>
           </a:p>
@@ -3746,75 +3748,81 @@
         </p:nvSpPr>
         <p:spPr/>
         <p:txBody>
+          <a:bodyPr>
+            <a:normAutofit fontScale="90000"/>
+          </a:bodyPr>
+          <a:lstStyle/>
+          <a:p>
+            <a:r>
+              <a:rPr lang="nl-NL" dirty="0"/>
+              <a:t>Eisen en werking binnen Applicatie</a:t>
+            </a:r>
+          </a:p>
+        </p:txBody>
+      </p:sp>
+      <p:sp>
+        <p:nvSpPr>
+          <p:cNvPr id="3" name="Tijdelijke aanduiding voor inhoud 2"/>
+          <p:cNvSpPr>
+            <a:spLocks noGrp="1"/>
+          </p:cNvSpPr>
+          <p:nvPr>
+            <p:ph idx="1"/>
+          </p:nvPr>
+        </p:nvSpPr>
+        <p:spPr/>
+        <p:txBody>
           <a:bodyPr/>
           <a:lstStyle/>
           <a:p>
+            <a:endParaRPr lang="nl-NL" dirty="0" smtClean="0"/>
+          </a:p>
+          <a:p>
             <a:r>
               <a:rPr lang="nl-NL" dirty="0" smtClean="0"/>
-              <a:t>Leerpunten</a:t>
+              <a:t>Kazen</a:t>
             </a:r>
             <a:endParaRPr lang="nl-NL" dirty="0"/>
           </a:p>
-        </p:txBody>
-      </p:sp>
-      <p:sp>
-        <p:nvSpPr>
-          <p:cNvPr id="3" name="Tijdelijke aanduiding voor inhoud 2"/>
-          <p:cNvSpPr>
-            <a:spLocks noGrp="1"/>
-          </p:cNvSpPr>
-          <p:nvPr>
-            <p:ph idx="1"/>
-          </p:nvPr>
-        </p:nvSpPr>
-        <p:spPr/>
-        <p:txBody>
-          <a:bodyPr/>
-          <a:lstStyle/>
-          <a:p>
-            <a:endParaRPr lang="nl-NL" dirty="0" smtClean="0"/>
-          </a:p>
-          <a:p>
-            <a:r>
-              <a:rPr lang="nl-NL" dirty="0" err="1" smtClean="0"/>
-              <a:t>HelpClientOrderCheese</a:t>
-            </a:r>
-            <a:endParaRPr lang="nl-NL" dirty="0" smtClean="0"/>
-          </a:p>
-          <a:p>
-            <a:endParaRPr lang="nl-NL" dirty="0"/>
-          </a:p>
-          <a:p>
-            <a:r>
-              <a:rPr lang="nl-NL" dirty="0" smtClean="0"/>
-              <a:t>Order met Orderregels weergeven</a:t>
-            </a:r>
-          </a:p>
-          <a:p>
-            <a:endParaRPr lang="nl-NL" dirty="0"/>
-          </a:p>
-          <a:p>
-            <a:r>
-              <a:rPr lang="nl-NL" dirty="0" smtClean="0"/>
-              <a:t>Opzet applicatie</a:t>
-            </a:r>
-          </a:p>
-          <a:p>
-            <a:endParaRPr lang="nl-NL" dirty="0"/>
-          </a:p>
-          <a:p>
-            <a:r>
-              <a:rPr lang="nl-NL" dirty="0" smtClean="0"/>
-              <a:t>Werking applicatie met database</a:t>
-            </a:r>
-          </a:p>
-          <a:p>
-            <a:endParaRPr lang="nl-NL" dirty="0"/>
-          </a:p>
-          <a:p>
-            <a:endParaRPr lang="nl-NL" dirty="0" smtClean="0"/>
-          </a:p>
-          <a:p>
+          <a:p>
+            <a:pPr marL="36576" indent="0">
+              <a:buNone/>
+            </a:pPr>
+            <a:r>
+              <a:rPr lang="nl-NL" dirty="0"/>
+              <a:t/>
+            </a:r>
+            <a:br>
+              <a:rPr lang="nl-NL" dirty="0"/>
+            </a:br>
+            <a:r>
+              <a:rPr lang="nl-NL" dirty="0"/>
+              <a:t>Nieuwe kazen kunnen worden toegevoegd.</a:t>
+            </a:r>
+            <a:br>
+              <a:rPr lang="nl-NL" dirty="0"/>
+            </a:br>
+            <a:r>
+              <a:rPr lang="nl-NL" dirty="0"/>
+              <a:t>Kazen kunnen worden verwijderd.</a:t>
+            </a:r>
+            <a:br>
+              <a:rPr lang="nl-NL" dirty="0"/>
+            </a:br>
+            <a:r>
+              <a:rPr lang="nl-NL" dirty="0"/>
+              <a:t>Kazen kunnen worden gemuteerd.</a:t>
+            </a:r>
+            <a:br>
+              <a:rPr lang="nl-NL" dirty="0"/>
+            </a:br>
+            <a:r>
+              <a:rPr lang="nl-NL" dirty="0"/>
+              <a:t>Kazen kunnen worden doorzocht.</a:t>
+            </a:r>
+            <a:br>
+              <a:rPr lang="nl-NL" dirty="0"/>
+            </a:br>
             <a:endParaRPr lang="nl-NL" dirty="0"/>
           </a:p>
           <a:p>
@@ -3825,13 +3833,20 @@
     </p:spTree>
     <p:extLst>
       <p:ext uri="{BB962C8B-B14F-4D97-AF65-F5344CB8AC3E}">
-        <p14:creationId xmlns:p14="http://schemas.microsoft.com/office/powerpoint/2010/main" val="969847231"/>
+        <p14:creationId xmlns:p14="http://schemas.microsoft.com/office/powerpoint/2010/main" val="2456101271"/>
       </p:ext>
     </p:extLst>
   </p:cSld>
   <p:clrMapOvr>
     <a:masterClrMapping/>
   </p:clrMapOvr>
+  <p:timing>
+    <p:tnLst>
+      <p:par>
+        <p:cTn id="1" dur="indefinite" restart="never" nodeType="tmRoot"/>
+      </p:par>
+    </p:tnLst>
+  </p:timing>
 </p:sld>
 </file>
 
@@ -3868,6 +3883,131 @@
           <a:lstStyle/>
           <a:p>
             <a:r>
+              <a:rPr lang="nl-NL" dirty="0" smtClean="0"/>
+              <a:t>Leerpunten</a:t>
+            </a:r>
+            <a:endParaRPr lang="nl-NL" dirty="0"/>
+          </a:p>
+        </p:txBody>
+      </p:sp>
+      <p:sp>
+        <p:nvSpPr>
+          <p:cNvPr id="3" name="Tijdelijke aanduiding voor inhoud 2"/>
+          <p:cNvSpPr>
+            <a:spLocks noGrp="1"/>
+          </p:cNvSpPr>
+          <p:nvPr>
+            <p:ph idx="1"/>
+          </p:nvPr>
+        </p:nvSpPr>
+        <p:spPr/>
+        <p:txBody>
+          <a:bodyPr/>
+          <a:lstStyle/>
+          <a:p>
+            <a:endParaRPr lang="nl-NL" dirty="0" smtClean="0"/>
+          </a:p>
+          <a:p>
+            <a:r>
+              <a:rPr lang="nl-NL" dirty="0" err="1" smtClean="0"/>
+              <a:t>HelpClientOrderCheese</a:t>
+            </a:r>
+            <a:endParaRPr lang="nl-NL" dirty="0" smtClean="0"/>
+          </a:p>
+          <a:p>
+            <a:endParaRPr lang="nl-NL" dirty="0"/>
+          </a:p>
+          <a:p>
+            <a:r>
+              <a:rPr lang="nl-NL" dirty="0" smtClean="0"/>
+              <a:t>Order met Orderregels weergeven</a:t>
+            </a:r>
+          </a:p>
+          <a:p>
+            <a:endParaRPr lang="nl-NL" dirty="0"/>
+          </a:p>
+          <a:p>
+            <a:r>
+              <a:rPr lang="nl-NL" dirty="0" smtClean="0"/>
+              <a:t>Opzet applicatie</a:t>
+            </a:r>
+          </a:p>
+          <a:p>
+            <a:endParaRPr lang="nl-NL" dirty="0"/>
+          </a:p>
+          <a:p>
+            <a:r>
+              <a:rPr lang="nl-NL" dirty="0" smtClean="0"/>
+              <a:t>Werking applicatie met database</a:t>
+            </a:r>
+          </a:p>
+          <a:p>
+            <a:endParaRPr lang="nl-NL" dirty="0"/>
+          </a:p>
+          <a:p>
+            <a:endParaRPr lang="nl-NL" dirty="0" smtClean="0"/>
+          </a:p>
+          <a:p>
+            <a:endParaRPr lang="nl-NL" dirty="0"/>
+          </a:p>
+          <a:p>
+            <a:endParaRPr lang="nl-NL" dirty="0"/>
+          </a:p>
+        </p:txBody>
+      </p:sp>
+    </p:spTree>
+    <p:extLst>
+      <p:ext uri="{BB962C8B-B14F-4D97-AF65-F5344CB8AC3E}">
+        <p14:creationId xmlns:p14="http://schemas.microsoft.com/office/powerpoint/2010/main" val="969847231"/>
+      </p:ext>
+    </p:extLst>
+  </p:cSld>
+  <p:clrMapOvr>
+    <a:masterClrMapping/>
+  </p:clrMapOvr>
+  <p:timing>
+    <p:tnLst>
+      <p:par>
+        <p:cTn id="1" dur="indefinite" restart="never" nodeType="tmRoot"/>
+      </p:par>
+    </p:tnLst>
+  </p:timing>
+</p:sld>
+</file>
+
+<file path=ppt/slides/slide12.xml><?xml version="1.0" encoding="utf-8"?>
+<p:sld xmlns:a="http://schemas.openxmlformats.org/drawingml/2006/main" xmlns:r="http://schemas.openxmlformats.org/officeDocument/2006/relationships" xmlns:p="http://schemas.openxmlformats.org/presentationml/2006/main">
+  <p:cSld>
+    <p:spTree>
+      <p:nvGrpSpPr>
+        <p:cNvPr id="1" name=""/>
+        <p:cNvGrpSpPr/>
+        <p:nvPr/>
+      </p:nvGrpSpPr>
+      <p:grpSpPr>
+        <a:xfrm>
+          <a:off x="0" y="0"/>
+          <a:ext cx="0" cy="0"/>
+          <a:chOff x="0" y="0"/>
+          <a:chExt cx="0" cy="0"/>
+        </a:xfrm>
+      </p:grpSpPr>
+      <p:sp>
+        <p:nvSpPr>
+          <p:cNvPr id="2" name="Titel 1"/>
+          <p:cNvSpPr>
+            <a:spLocks noGrp="1"/>
+          </p:cNvSpPr>
+          <p:nvPr>
+            <p:ph type="title"/>
+          </p:nvPr>
+        </p:nvSpPr>
+        <p:spPr/>
+        <p:txBody>
+          <a:bodyPr/>
+          <a:lstStyle/>
+          <a:p>
+            <a:r>
               <a:rPr lang="nl-NL" smtClean="0"/>
               <a:t>Vragen?</a:t>
             </a:r>
@@ -3904,6 +4044,13 @@
   <p:clrMapOvr>
     <a:masterClrMapping/>
   </p:clrMapOvr>
+  <p:timing>
+    <p:tnLst>
+      <p:par>
+        <p:cTn id="1" dur="indefinite" restart="never" nodeType="tmRoot"/>
+      </p:par>
+    </p:tnLst>
+  </p:timing>
 </p:sld>
 </file>
 
@@ -3960,7 +4107,7 @@
         <p:spPr/>
         <p:txBody>
           <a:bodyPr>
-            <a:normAutofit fontScale="92500" lnSpcReduction="10000"/>
+            <a:normAutofit fontScale="85000" lnSpcReduction="20000"/>
           </a:bodyPr>
           <a:lstStyle/>
           <a:p>
@@ -3976,6 +4123,16 @@
             <a:r>
               <a:rPr lang="nl-NL" dirty="0" err="1" smtClean="0"/>
               <a:t>KlassenDiagram</a:t>
+            </a:r>
+            <a:endParaRPr lang="nl-NL" dirty="0" smtClean="0"/>
+          </a:p>
+          <a:p>
+            <a:endParaRPr lang="nl-NL" dirty="0"/>
+          </a:p>
+          <a:p>
+            <a:r>
+              <a:rPr lang="nl-NL" dirty="0" smtClean="0"/>
+              <a:t>Server Diagram</a:t>
             </a:r>
             <a:endParaRPr lang="nl-NL" dirty="0" smtClean="0"/>
           </a:p>
@@ -4553,25 +4710,33 @@
           </a:p>
         </p:txBody>
       </p:sp>
-      <p:sp>
-        <p:nvSpPr>
-          <p:cNvPr id="3" name="Tijdelijke aanduiding voor inhoud 2"/>
-          <p:cNvSpPr>
-            <a:spLocks noGrp="1"/>
-          </p:cNvSpPr>
+      <p:pic>
+        <p:nvPicPr>
+          <p:cNvPr id="4" name="Tijdelijke aanduiding voor inhoud 3"/>
+          <p:cNvPicPr>
+            <a:picLocks noGrp="1"/>
+          </p:cNvPicPr>
           <p:nvPr>
             <p:ph idx="1"/>
           </p:nvPr>
-        </p:nvSpPr>
-        <p:spPr/>
-        <p:txBody>
-          <a:bodyPr/>
-          <a:lstStyle/>
-          <a:p>
-            <a:endParaRPr lang="nl-NL"/>
-          </a:p>
-        </p:txBody>
-      </p:sp>
+        </p:nvPicPr>
+        <p:blipFill>
+          <a:blip r:embed="rId2"/>
+          <a:stretch/>
+        </p:blipFill>
+        <p:spPr>
+          <a:xfrm>
+            <a:off x="467544" y="1340768"/>
+            <a:ext cx="7920880" cy="5328592"/>
+          </a:xfrm>
+          <a:prstGeom prst="rect">
+            <a:avLst/>
+          </a:prstGeom>
+          <a:ln>
+            <a:noFill/>
+          </a:ln>
+        </p:spPr>
+      </p:pic>
     </p:spTree>
     <p:extLst>
       <p:ext uri="{BB962C8B-B14F-4D97-AF65-F5344CB8AC3E}">
@@ -4615,67 +4780,53 @@
         <p:spPr/>
         <p:txBody>
           <a:bodyPr>
-            <a:normAutofit fontScale="90000"/>
+            <a:normAutofit/>
           </a:bodyPr>
           <a:lstStyle/>
           <a:p>
             <a:r>
+              <a:rPr lang="nl-NL" dirty="0"/>
+              <a:t>Server </a:t>
+            </a:r>
+            <a:r>
               <a:rPr lang="nl-NL" dirty="0" smtClean="0"/>
-              <a:t>Eisen en werking binnen Applicatie</a:t>
+              <a:t>Diagram</a:t>
             </a:r>
             <a:endParaRPr lang="nl-NL" dirty="0"/>
           </a:p>
         </p:txBody>
       </p:sp>
-      <p:sp>
-        <p:nvSpPr>
-          <p:cNvPr id="3" name="Tijdelijke aanduiding voor inhoud 2"/>
-          <p:cNvSpPr>
-            <a:spLocks noGrp="1"/>
-          </p:cNvSpPr>
+      <p:pic>
+        <p:nvPicPr>
+          <p:cNvPr id="4" name="Tijdelijke aanduiding voor inhoud 3"/>
+          <p:cNvPicPr>
+            <a:picLocks noGrp="1"/>
+          </p:cNvPicPr>
           <p:nvPr>
             <p:ph idx="1"/>
           </p:nvPr>
-        </p:nvSpPr>
-        <p:spPr/>
-        <p:txBody>
-          <a:bodyPr/>
-          <a:lstStyle/>
-          <a:p>
-            <a:endParaRPr lang="nl-NL" dirty="0" smtClean="0"/>
-          </a:p>
-          <a:p>
-            <a:endParaRPr lang="nl-NL" dirty="0"/>
-          </a:p>
-          <a:p>
-            <a:r>
-              <a:rPr lang="nl-NL" dirty="0" smtClean="0"/>
-              <a:t>Accounts</a:t>
-            </a:r>
-            <a:endParaRPr lang="nl-NL" dirty="0"/>
-          </a:p>
-          <a:p>
-            <a:pPr marL="36576" indent="0">
-              <a:buNone/>
-            </a:pPr>
-            <a:r>
-              <a:rPr lang="nl-NL" dirty="0"/>
-              <a:t/>
-            </a:r>
-            <a:br>
-              <a:rPr lang="nl-NL" dirty="0"/>
-            </a:br>
-            <a:r>
-              <a:rPr lang="nl-NL" dirty="0"/>
-              <a:t>Medewerker kan inloggen met eigen account.</a:t>
-            </a:r>
-          </a:p>
-        </p:txBody>
-      </p:sp>
+        </p:nvPicPr>
+        <p:blipFill>
+          <a:blip r:embed="rId2"/>
+          <a:stretch/>
+        </p:blipFill>
+        <p:spPr>
+          <a:xfrm>
+            <a:off x="457200" y="1484784"/>
+            <a:ext cx="8435280" cy="4752528"/>
+          </a:xfrm>
+          <a:prstGeom prst="rect">
+            <a:avLst/>
+          </a:prstGeom>
+          <a:ln>
+            <a:noFill/>
+          </a:ln>
+        </p:spPr>
+      </p:pic>
     </p:spTree>
     <p:extLst>
       <p:ext uri="{BB962C8B-B14F-4D97-AF65-F5344CB8AC3E}">
-        <p14:creationId xmlns:p14="http://schemas.microsoft.com/office/powerpoint/2010/main" val="3092906967"/>
+        <p14:creationId xmlns:p14="http://schemas.microsoft.com/office/powerpoint/2010/main" val="1496175305"/>
       </p:ext>
     </p:extLst>
   </p:cSld>
@@ -4720,9 +4871,10 @@
           <a:lstStyle/>
           <a:p>
             <a:r>
-              <a:rPr lang="nl-NL" dirty="0"/>
+              <a:rPr lang="nl-NL" dirty="0" smtClean="0"/>
               <a:t>Eisen en werking binnen Applicatie</a:t>
             </a:r>
+            <a:endParaRPr lang="nl-NL" dirty="0"/>
           </a:p>
         </p:txBody>
       </p:sp>
@@ -4736,12 +4888,7 @@
             <p:ph idx="1"/>
           </p:nvPr>
         </p:nvSpPr>
-        <p:spPr>
-          <a:xfrm>
-            <a:off x="457200" y="1600200"/>
-            <a:ext cx="8147248" cy="4525963"/>
-          </a:xfrm>
-        </p:spPr>
+        <p:spPr/>
         <p:txBody>
           <a:bodyPr/>
           <a:lstStyle/>
@@ -4749,9 +4896,12 @@
             <a:endParaRPr lang="nl-NL" dirty="0" smtClean="0"/>
           </a:p>
           <a:p>
+            <a:endParaRPr lang="nl-NL" dirty="0"/>
+          </a:p>
+          <a:p>
             <a:r>
               <a:rPr lang="nl-NL" dirty="0" smtClean="0"/>
-              <a:t>Klanten</a:t>
+              <a:t>Accounts</a:t>
             </a:r>
             <a:endParaRPr lang="nl-NL" dirty="0"/>
           </a:p>
@@ -4768,49 +4918,28 @@
             </a:br>
             <a:r>
               <a:rPr lang="nl-NL" dirty="0"/>
-              <a:t>Nieuwe klantgegevens kunnen worden toegevoegd.</a:t>
-            </a:r>
-            <a:br>
-              <a:rPr lang="nl-NL" dirty="0"/>
-            </a:br>
-            <a:r>
-              <a:rPr lang="nl-NL" dirty="0"/>
-              <a:t>Klantgegevens kunnen worden verwijderd.</a:t>
-            </a:r>
-            <a:br>
-              <a:rPr lang="nl-NL" dirty="0"/>
-            </a:br>
-            <a:r>
-              <a:rPr lang="nl-NL" dirty="0"/>
-              <a:t>Klantgegevens kunnen worden aangepast.</a:t>
-            </a:r>
-            <a:br>
-              <a:rPr lang="nl-NL" dirty="0"/>
-            </a:br>
-            <a:r>
-              <a:rPr lang="nl-NL" dirty="0"/>
-              <a:t>Klantgegevens kunnen worden doorzocht.</a:t>
-            </a:r>
-            <a:br>
-              <a:rPr lang="nl-NL" dirty="0"/>
-            </a:br>
-            <a:endParaRPr lang="nl-NL" dirty="0"/>
-          </a:p>
-          <a:p>
-            <a:endParaRPr lang="nl-NL" dirty="0"/>
+              <a:t>Medewerker kan inloggen met eigen account.</a:t>
+            </a:r>
           </a:p>
         </p:txBody>
       </p:sp>
     </p:spTree>
     <p:extLst>
       <p:ext uri="{BB962C8B-B14F-4D97-AF65-F5344CB8AC3E}">
-        <p14:creationId xmlns:p14="http://schemas.microsoft.com/office/powerpoint/2010/main" val="4004085316"/>
+        <p14:creationId xmlns:p14="http://schemas.microsoft.com/office/powerpoint/2010/main" val="3092906967"/>
       </p:ext>
     </p:extLst>
   </p:cSld>
   <p:clrMapOvr>
     <a:masterClrMapping/>
   </p:clrMapOvr>
+  <p:timing>
+    <p:tnLst>
+      <p:par>
+        <p:cTn id="1" dur="indefinite" restart="never" nodeType="tmRoot"/>
+      </p:par>
+    </p:tnLst>
+  </p:timing>
 </p:sld>
 </file>
 
@@ -4865,11 +4994,14 @@
             <p:ph idx="1"/>
           </p:nvPr>
         </p:nvSpPr>
-        <p:spPr/>
-        <p:txBody>
-          <a:bodyPr>
-            <a:normAutofit fontScale="85000" lnSpcReduction="10000"/>
-          </a:bodyPr>
+        <p:spPr>
+          <a:xfrm>
+            <a:off x="457200" y="1600200"/>
+            <a:ext cx="8147248" cy="4525963"/>
+          </a:xfrm>
+        </p:spPr>
+        <p:txBody>
+          <a:bodyPr/>
           <a:lstStyle/>
           <a:p>
             <a:endParaRPr lang="nl-NL" dirty="0" smtClean="0"/>
@@ -4877,7 +5009,7 @@
           <a:p>
             <a:r>
               <a:rPr lang="nl-NL" dirty="0" smtClean="0"/>
-              <a:t>Bestelling</a:t>
+              <a:t>Klanten</a:t>
             </a:r>
             <a:endParaRPr lang="nl-NL" dirty="0"/>
           </a:p>
@@ -4894,42 +5026,28 @@
             </a:br>
             <a:r>
               <a:rPr lang="nl-NL" dirty="0"/>
-              <a:t>Nieuwe bestellingen kunnen worden toegevoegd.</a:t>
+              <a:t>Nieuwe klantgegevens kunnen worden toegevoegd.</a:t>
             </a:r>
             <a:br>
               <a:rPr lang="nl-NL" dirty="0"/>
             </a:br>
             <a:r>
               <a:rPr lang="nl-NL" dirty="0"/>
-              <a:t>Bestellingen kunnen worden verwijderd.</a:t>
+              <a:t>Klantgegevens kunnen worden verwijderd.</a:t>
             </a:r>
             <a:br>
               <a:rPr lang="nl-NL" dirty="0"/>
             </a:br>
             <a:r>
               <a:rPr lang="nl-NL" dirty="0"/>
-              <a:t>Bestellingen kunnen worden aangepast.</a:t>
+              <a:t>Klantgegevens kunnen worden aangepast.</a:t>
             </a:r>
             <a:br>
               <a:rPr lang="nl-NL" dirty="0"/>
             </a:br>
             <a:r>
               <a:rPr lang="nl-NL" dirty="0"/>
-              <a:t>Bestellingen kunnen worden doorzocht.</a:t>
-            </a:r>
-            <a:br>
-              <a:rPr lang="nl-NL" dirty="0"/>
-            </a:br>
-            <a:r>
-              <a:rPr lang="nl-NL" dirty="0"/>
-              <a:t>Bestellingen kunnen meerdere kazen bevatten.</a:t>
-            </a:r>
-            <a:br>
-              <a:rPr lang="nl-NL" dirty="0"/>
-            </a:br>
-            <a:r>
-              <a:rPr lang="nl-NL" dirty="0"/>
-              <a:t>Een bestelling is altijd aan een klant gekoppeld.</a:t>
+              <a:t>Klantgegevens kunnen worden doorzocht.</a:t>
             </a:r>
             <a:br>
               <a:rPr lang="nl-NL" dirty="0"/>
@@ -4944,13 +5062,20 @@
     </p:spTree>
     <p:extLst>
       <p:ext uri="{BB962C8B-B14F-4D97-AF65-F5344CB8AC3E}">
-        <p14:creationId xmlns:p14="http://schemas.microsoft.com/office/powerpoint/2010/main" val="3897686477"/>
+        <p14:creationId xmlns:p14="http://schemas.microsoft.com/office/powerpoint/2010/main" val="4004085316"/>
       </p:ext>
     </p:extLst>
   </p:cSld>
   <p:clrMapOvr>
     <a:masterClrMapping/>
   </p:clrMapOvr>
+  <p:timing>
+    <p:tnLst>
+      <p:par>
+        <p:cTn id="1" dur="indefinite" restart="never" nodeType="tmRoot"/>
+      </p:par>
+    </p:tnLst>
+  </p:timing>
 </p:sld>
 </file>
 
@@ -5007,7 +5132,9 @@
         </p:nvSpPr>
         <p:spPr/>
         <p:txBody>
-          <a:bodyPr/>
+          <a:bodyPr>
+            <a:normAutofit fontScale="85000" lnSpcReduction="10000"/>
+          </a:bodyPr>
           <a:lstStyle/>
           <a:p>
             <a:endParaRPr lang="nl-NL" dirty="0" smtClean="0"/>
@@ -5015,7 +5142,7 @@
           <a:p>
             <a:r>
               <a:rPr lang="nl-NL" dirty="0" smtClean="0"/>
-              <a:t>Kazen</a:t>
+              <a:t>Bestelling</a:t>
             </a:r>
             <a:endParaRPr lang="nl-NL" dirty="0"/>
           </a:p>
@@ -5032,28 +5159,42 @@
             </a:br>
             <a:r>
               <a:rPr lang="nl-NL" dirty="0"/>
-              <a:t>Nieuwe kazen kunnen worden toegevoegd.</a:t>
+              <a:t>Nieuwe bestellingen kunnen worden toegevoegd.</a:t>
             </a:r>
             <a:br>
               <a:rPr lang="nl-NL" dirty="0"/>
             </a:br>
             <a:r>
               <a:rPr lang="nl-NL" dirty="0"/>
-              <a:t>Kazen kunnen worden verwijderd.</a:t>
+              <a:t>Bestellingen kunnen worden verwijderd.</a:t>
             </a:r>
             <a:br>
               <a:rPr lang="nl-NL" dirty="0"/>
             </a:br>
             <a:r>
               <a:rPr lang="nl-NL" dirty="0"/>
-              <a:t>Kazen kunnen worden gemuteerd.</a:t>
+              <a:t>Bestellingen kunnen worden aangepast.</a:t>
             </a:r>
             <a:br>
               <a:rPr lang="nl-NL" dirty="0"/>
             </a:br>
             <a:r>
               <a:rPr lang="nl-NL" dirty="0"/>
-              <a:t>Kazen kunnen worden doorzocht.</a:t>
+              <a:t>Bestellingen kunnen worden doorzocht.</a:t>
+            </a:r>
+            <a:br>
+              <a:rPr lang="nl-NL" dirty="0"/>
+            </a:br>
+            <a:r>
+              <a:rPr lang="nl-NL" dirty="0"/>
+              <a:t>Bestellingen kunnen meerdere kazen bevatten.</a:t>
+            </a:r>
+            <a:br>
+              <a:rPr lang="nl-NL" dirty="0"/>
+            </a:br>
+            <a:r>
+              <a:rPr lang="nl-NL" dirty="0"/>
+              <a:t>Een bestelling is altijd aan een klant gekoppeld.</a:t>
             </a:r>
             <a:br>
               <a:rPr lang="nl-NL" dirty="0"/>
@@ -5068,13 +5209,20 @@
     </p:spTree>
     <p:extLst>
       <p:ext uri="{BB962C8B-B14F-4D97-AF65-F5344CB8AC3E}">
-        <p14:creationId xmlns:p14="http://schemas.microsoft.com/office/powerpoint/2010/main" val="2456101271"/>
+        <p14:creationId xmlns:p14="http://schemas.microsoft.com/office/powerpoint/2010/main" val="3897686477"/>
       </p:ext>
     </p:extLst>
   </p:cSld>
   <p:clrMapOvr>
     <a:masterClrMapping/>
   </p:clrMapOvr>
+  <p:timing>
+    <p:tnLst>
+      <p:par>
+        <p:cTn id="1" dur="indefinite" restart="never" nodeType="tmRoot"/>
+      </p:par>
+    </p:tnLst>
+  </p:timing>
 </p:sld>
 </file>
 
